--- a/presentation.pptx
+++ b/presentation.pptx
@@ -16975,66 +16975,6 @@
           </a:p>
         </p:txBody>
       </p:sp>
-      <p:pic>
-        <p:nvPicPr>
-          <p:cNvPr id="13" name="Picture 12">
-            <a:extLst>
-              <a:ext uri="{FF2B5EF4-FFF2-40B4-BE49-F238E27FC236}">
-                <a16:creationId xmlns:a16="http://schemas.microsoft.com/office/drawing/2014/main" id="{2D981A75-2203-0278-D3EF-D963604FA227}"/>
-              </a:ext>
-            </a:extLst>
-          </p:cNvPr>
-          <p:cNvPicPr>
-            <a:picLocks noChangeAspect="1"/>
-          </p:cNvPicPr>
-          <p:nvPr/>
-        </p:nvPicPr>
-        <p:blipFill>
-          <a:blip r:embed="rId2"/>
-          <a:stretch>
-            <a:fillRect/>
-          </a:stretch>
-        </p:blipFill>
-        <p:spPr>
-          <a:xfrm>
-            <a:off x="6193010" y="3207692"/>
-            <a:ext cx="3873684" cy="2743200"/>
-          </a:xfrm>
-          <a:prstGeom prst="rect">
-            <a:avLst/>
-          </a:prstGeom>
-        </p:spPr>
-      </p:pic>
-      <p:pic>
-        <p:nvPicPr>
-          <p:cNvPr id="15" name="Picture 14">
-            <a:extLst>
-              <a:ext uri="{FF2B5EF4-FFF2-40B4-BE49-F238E27FC236}">
-                <a16:creationId xmlns:a16="http://schemas.microsoft.com/office/drawing/2014/main" id="{5E72001F-80EC-DC91-244F-20C70BE0091E}"/>
-              </a:ext>
-            </a:extLst>
-          </p:cNvPr>
-          <p:cNvPicPr>
-            <a:picLocks noChangeAspect="1"/>
-          </p:cNvPicPr>
-          <p:nvPr/>
-        </p:nvPicPr>
-        <p:blipFill>
-          <a:blip r:embed="rId3"/>
-          <a:stretch>
-            <a:fillRect/>
-          </a:stretch>
-        </p:blipFill>
-        <p:spPr>
-          <a:xfrm>
-            <a:off x="1279229" y="3207692"/>
-            <a:ext cx="3810439" cy="2743200"/>
-          </a:xfrm>
-          <a:prstGeom prst="rect">
-            <a:avLst/>
-          </a:prstGeom>
-        </p:spPr>
-      </p:pic>
       <p:sp>
         <p:nvSpPr>
           <p:cNvPr id="25" name="TextBox 24">
@@ -17297,6 +17237,66 @@
           </a:p>
         </p:txBody>
       </p:sp>
+      <p:pic>
+        <p:nvPicPr>
+          <p:cNvPr id="8" name="Picture 7">
+            <a:extLst>
+              <a:ext uri="{FF2B5EF4-FFF2-40B4-BE49-F238E27FC236}">
+                <a16:creationId xmlns:a16="http://schemas.microsoft.com/office/drawing/2014/main" id="{EE2EBA8E-0E24-9343-BDD6-AD84D57F186E}"/>
+              </a:ext>
+            </a:extLst>
+          </p:cNvPr>
+          <p:cNvPicPr>
+            <a:picLocks noChangeAspect="1"/>
+          </p:cNvPicPr>
+          <p:nvPr/>
+        </p:nvPicPr>
+        <p:blipFill>
+          <a:blip r:embed="rId2"/>
+          <a:stretch>
+            <a:fillRect/>
+          </a:stretch>
+        </p:blipFill>
+        <p:spPr>
+          <a:xfrm>
+            <a:off x="6393536" y="3247032"/>
+            <a:ext cx="3673158" cy="2636748"/>
+          </a:xfrm>
+          <a:prstGeom prst="rect">
+            <a:avLst/>
+          </a:prstGeom>
+        </p:spPr>
+      </p:pic>
+      <p:pic>
+        <p:nvPicPr>
+          <p:cNvPr id="14" name="Picture 13">
+            <a:extLst>
+              <a:ext uri="{FF2B5EF4-FFF2-40B4-BE49-F238E27FC236}">
+                <a16:creationId xmlns:a16="http://schemas.microsoft.com/office/drawing/2014/main" id="{0F20780D-DE8B-59A5-0FF0-89E1EF309F1F}"/>
+              </a:ext>
+            </a:extLst>
+          </p:cNvPr>
+          <p:cNvPicPr>
+            <a:picLocks noChangeAspect="1"/>
+          </p:cNvPicPr>
+          <p:nvPr/>
+        </p:nvPicPr>
+        <p:blipFill>
+          <a:blip r:embed="rId3"/>
+          <a:stretch>
+            <a:fillRect/>
+          </a:stretch>
+        </p:blipFill>
+        <p:spPr>
+          <a:xfrm>
+            <a:off x="1279229" y="3264728"/>
+            <a:ext cx="3665538" cy="2629128"/>
+          </a:xfrm>
+          <a:prstGeom prst="rect">
+            <a:avLst/>
+          </a:prstGeom>
+        </p:spPr>
+      </p:pic>
     </p:spTree>
     <p:extLst>
       <p:ext uri="{BB962C8B-B14F-4D97-AF65-F5344CB8AC3E}">
@@ -26237,6 +26237,15 @@
 </file>
 
 <file path=customXml/item1.xml><?xml version="1.0" encoding="utf-8"?>
+<?mso-contentType ?>
+<FormTemplates xmlns="http://schemas.microsoft.com/sharepoint/v3/contenttype/forms">
+  <Display>DocumentLibraryForm</Display>
+  <Edit>DocumentLibraryForm</Edit>
+  <New>DocumentLibraryForm</New>
+</FormTemplates>
+</file>
+
+<file path=customXml/item2.xml><?xml version="1.0" encoding="utf-8"?>
 <ct:contentTypeSchema xmlns:ct="http://schemas.microsoft.com/office/2006/metadata/contentType" xmlns:ma="http://schemas.microsoft.com/office/2006/metadata/properties/metaAttributes" ct:_="" ma:_="" ma:contentTypeName="Document" ma:contentTypeID="0x01010079F111ED35F8CC479449609E8A0923A6" ma:contentTypeVersion="12" ma:contentTypeDescription="Create a new document." ma:contentTypeScope="" ma:versionID="a410dd7f93c95333ffa1b60ed6adedd1">
   <xsd:schema xmlns:xsd="http://www.w3.org/2001/XMLSchema" xmlns:xs="http://www.w3.org/2001/XMLSchema" xmlns:p="http://schemas.microsoft.com/office/2006/metadata/properties" xmlns:ns2="71af3243-3dd4-4a8d-8c0d-dd76da1f02a5" xmlns:ns3="16c05727-aa75-4e4a-9b5f-8a80a1165891" targetNamespace="http://schemas.microsoft.com/office/2006/metadata/properties" ma:root="true" ma:fieldsID="a936d9baba76aa3866493feff160faab" ns2:_="" ns3:_="">
     <xsd:import namespace="71af3243-3dd4-4a8d-8c0d-dd76da1f02a5"/>
@@ -26457,15 +26466,6 @@
 </ct:contentTypeSchema>
 </file>
 
-<file path=customXml/item2.xml><?xml version="1.0" encoding="utf-8"?>
-<?mso-contentType ?>
-<FormTemplates xmlns="http://schemas.microsoft.com/sharepoint/v3/contenttype/forms">
-  <Display>DocumentLibraryForm</Display>
-  <Edit>DocumentLibraryForm</Edit>
-  <New>DocumentLibraryForm</New>
-</FormTemplates>
-</file>
-
 <file path=customXml/item3.xml><?xml version="1.0" encoding="utf-8"?>
 <p:properties xmlns:p="http://schemas.microsoft.com/office/2006/metadata/properties" xmlns:xsi="http://www.w3.org/2001/XMLSchema-instance" xmlns:pc="http://schemas.microsoft.com/office/infopath/2007/PartnerControls">
   <documentManagement>
@@ -26476,6 +26476,14 @@
 </file>
 
 <file path=customXml/itemProps1.xml><?xml version="1.0" encoding="utf-8"?>
+<ds:datastoreItem xmlns:ds="http://schemas.openxmlformats.org/officeDocument/2006/customXml" ds:itemID="{638A3B04-B0F3-4C12-A722-52B5CF6D9723}">
+  <ds:schemaRefs>
+    <ds:schemaRef ds:uri="http://schemas.microsoft.com/sharepoint/v3/contenttype/forms"/>
+  </ds:schemaRefs>
+</ds:datastoreItem>
+</file>
+
+<file path=customXml/itemProps2.xml><?xml version="1.0" encoding="utf-8"?>
 <ds:datastoreItem xmlns:ds="http://schemas.openxmlformats.org/officeDocument/2006/customXml" ds:itemID="{1747A963-53E0-44AF-AF13-963FE676C682}">
   <ds:schemaRefs>
     <ds:schemaRef ds:uri="http://schemas.microsoft.com/office/2006/metadata/contentType"/>
@@ -26490,14 +26498,6 @@
     <ds:schemaRef ds:uri="http://purl.org/dc/elements/1.1/"/>
     <ds:schemaRef ds:uri="http://purl.org/dc/terms/"/>
     <ds:schemaRef ds:uri="http://schemas.microsoft.com/internal/obd"/>
-  </ds:schemaRefs>
-</ds:datastoreItem>
-</file>
-
-<file path=customXml/itemProps2.xml><?xml version="1.0" encoding="utf-8"?>
-<ds:datastoreItem xmlns:ds="http://schemas.openxmlformats.org/officeDocument/2006/customXml" ds:itemID="{638A3B04-B0F3-4C12-A722-52B5CF6D9723}">
-  <ds:schemaRefs>
-    <ds:schemaRef ds:uri="http://schemas.microsoft.com/sharepoint/v3/contenttype/forms"/>
   </ds:schemaRefs>
 </ds:datastoreItem>
 </file>
